--- a/Figure-4-4/Figure44/Figure44_fullslide.pptx
+++ b/Figure-4-4/Figure44/Figure44_fullslide.pptx
@@ -673,6 +673,284 @@
             <a:r>
               <a:rPr/>
               <a:t>(2020-21)</a:t>
+            </a:r>
+          </a:p>
+          <a:p>
+            <a:pPr lvl="0" marL="0" indent="0">
+              <a:buNone/>
+            </a:pPr>
+          </a:p>
+          <a:p>
+            <a:pPr lvl="0" marL="0" indent="0">
+              <a:buNone/>
+            </a:pPr>
+            <a:r>
+              <a:rPr/>
+              <a:t>Notes:</a:t>
+            </a:r>
+            <a:r>
+              <a:rPr/>
+              <a:t> </a:t>
+            </a:r>
+            <a:r>
+              <a:rPr/>
+              <a:t>Projections</a:t>
+            </a:r>
+            <a:r>
+              <a:rPr/>
+              <a:t> </a:t>
+            </a:r>
+            <a:r>
+              <a:rPr/>
+              <a:t>to</a:t>
+            </a:r>
+            <a:r>
+              <a:rPr/>
+              <a:t> </a:t>
+            </a:r>
+            <a:r>
+              <a:rPr/>
+              <a:t>2020-21</a:t>
+            </a:r>
+            <a:r>
+              <a:rPr/>
+              <a:t> </a:t>
+            </a:r>
+            <a:r>
+              <a:rPr/>
+              <a:t>assume</a:t>
+            </a:r>
+            <a:r>
+              <a:rPr/>
+              <a:t> </a:t>
+            </a:r>
+            <a:r>
+              <a:rPr/>
+              <a:t>2%</a:t>
+            </a:r>
+            <a:r>
+              <a:rPr/>
+              <a:t> </a:t>
+            </a:r>
+            <a:r>
+              <a:rPr/>
+              <a:t>wage</a:t>
+            </a:r>
+            <a:r>
+              <a:rPr/>
+              <a:t> </a:t>
+            </a:r>
+            <a:r>
+              <a:rPr/>
+              <a:t>growth</a:t>
+            </a:r>
+            <a:r>
+              <a:rPr/>
+              <a:t> </a:t>
+            </a:r>
+            <a:r>
+              <a:rPr/>
+              <a:t>and</a:t>
+            </a:r>
+            <a:r>
+              <a:rPr/>
+              <a:t> </a:t>
+            </a:r>
+            <a:r>
+              <a:rPr/>
+              <a:t>0%</a:t>
+            </a:r>
+            <a:r>
+              <a:rPr/>
+              <a:t> </a:t>
+            </a:r>
+            <a:r>
+              <a:rPr/>
+              <a:t>growth</a:t>
+            </a:r>
+            <a:r>
+              <a:rPr/>
+              <a:t> </a:t>
+            </a:r>
+            <a:r>
+              <a:rPr/>
+              <a:t>in</a:t>
+            </a:r>
+            <a:r>
+              <a:rPr/>
+              <a:t> </a:t>
+            </a:r>
+            <a:r>
+              <a:rPr/>
+              <a:t>the</a:t>
+            </a:r>
+            <a:r>
+              <a:rPr/>
+              <a:t> </a:t>
+            </a:r>
+            <a:r>
+              <a:rPr/>
+              <a:t>number</a:t>
+            </a:r>
+            <a:r>
+              <a:rPr/>
+              <a:t> </a:t>
+            </a:r>
+            <a:r>
+              <a:rPr/>
+              <a:t>of</a:t>
+            </a:r>
+            <a:r>
+              <a:rPr/>
+              <a:t> </a:t>
+            </a:r>
+            <a:r>
+              <a:rPr/>
+              <a:t>taxfilers</a:t>
+            </a:r>
+            <a:r>
+              <a:rPr/>
+              <a:t> </a:t>
+            </a:r>
+            <a:r>
+              <a:rPr/>
+              <a:t>from</a:t>
+            </a:r>
+            <a:r>
+              <a:rPr/>
+              <a:t> </a:t>
+            </a:r>
+            <a:r>
+              <a:rPr/>
+              <a:t>2019-20</a:t>
+            </a:r>
+            <a:r>
+              <a:rPr/>
+              <a:t> </a:t>
+            </a:r>
+            <a:r>
+              <a:rPr/>
+              <a:t>to</a:t>
+            </a:r>
+            <a:r>
+              <a:rPr/>
+              <a:t> </a:t>
+            </a:r>
+            <a:r>
+              <a:rPr/>
+              <a:t>2020-21.</a:t>
+            </a:r>
+            <a:r>
+              <a:rPr/>
+              <a:t> </a:t>
+            </a:r>
+            <a:r>
+              <a:rPr/>
+              <a:t>Taxable</a:t>
+            </a:r>
+            <a:r>
+              <a:rPr/>
+              <a:t> </a:t>
+            </a:r>
+            <a:r>
+              <a:rPr/>
+              <a:t>income</a:t>
+            </a:r>
+            <a:r>
+              <a:rPr/>
+              <a:t> </a:t>
+            </a:r>
+            <a:r>
+              <a:rPr/>
+              <a:t>deciles</a:t>
+            </a:r>
+            <a:r>
+              <a:rPr/>
+              <a:t> </a:t>
+            </a:r>
+            <a:r>
+              <a:rPr/>
+              <a:t>based</a:t>
+            </a:r>
+            <a:r>
+              <a:rPr/>
+              <a:t> </a:t>
+            </a:r>
+            <a:r>
+              <a:rPr/>
+              <a:t>on</a:t>
+            </a:r>
+            <a:r>
+              <a:rPr/>
+              <a:t> </a:t>
+            </a:r>
+            <a:r>
+              <a:rPr/>
+              <a:t>50+</a:t>
+            </a:r>
+            <a:r>
+              <a:rPr/>
+              <a:t> </a:t>
+            </a:r>
+            <a:r>
+              <a:rPr/>
+              <a:t>taxfilers</a:t>
+            </a:r>
+            <a:r>
+              <a:rPr/>
+              <a:t> </a:t>
+            </a:r>
+            <a:r>
+              <a:rPr/>
+              <a:t>only.</a:t>
+            </a:r>
+            <a:r>
+              <a:rPr/>
+              <a:t> </a:t>
+            </a:r>
+            <a:r>
+              <a:rPr/>
+              <a:t>Source:</a:t>
+            </a:r>
+            <a:r>
+              <a:rPr/>
+              <a:t> </a:t>
+            </a:r>
+            <a:r>
+              <a:rPr/>
+              <a:t>ATO</a:t>
+            </a:r>
+            <a:r>
+              <a:rPr/>
+              <a:t> </a:t>
+            </a:r>
+            <a:r>
+              <a:rPr/>
+              <a:t>2017-18</a:t>
+            </a:r>
+            <a:r>
+              <a:rPr/>
+              <a:t> </a:t>
+            </a:r>
+            <a:r>
+              <a:rPr/>
+              <a:t>2%</a:t>
+            </a:r>
+            <a:r>
+              <a:rPr/>
+              <a:t> </a:t>
+            </a:r>
+            <a:r>
+              <a:rPr/>
+              <a:t>sample</a:t>
+            </a:r>
+            <a:r>
+              <a:rPr/>
+              <a:t> </a:t>
+            </a:r>
+            <a:r>
+              <a:rPr/>
+              <a:t>file</a:t>
             </a:r>
           </a:p>
           <a:p>
@@ -4197,7 +4475,7 @@
           <p:spPr>
             <a:xfrm>
               <a:off x="1569235" y="1463187"/>
-              <a:ext cx="6951626" cy="4763274"/>
+              <a:ext cx="6951626" cy="4181921"/>
             </a:xfrm>
             <a:prstGeom prst="rect">
               <a:avLst/>
@@ -4222,7 +4500,7 @@
           </p:nvSpPr>
           <p:spPr>
             <a:xfrm>
-              <a:off x="1569235" y="6226462"/>
+              <a:off x="1569235" y="5645109"/>
               <a:ext cx="6951626" cy="0"/>
             </a:xfrm>
             <a:custGeom>
@@ -4265,7 +4543,7 @@
           </p:nvSpPr>
           <p:spPr>
             <a:xfrm>
-              <a:off x="1569235" y="4887304"/>
+              <a:off x="1569235" y="4469394"/>
               <a:ext cx="6951626" cy="0"/>
             </a:xfrm>
             <a:custGeom>
@@ -4308,7 +4586,7 @@
           </p:nvSpPr>
           <p:spPr>
             <a:xfrm>
-              <a:off x="1569235" y="3548147"/>
+              <a:off x="1569235" y="3293680"/>
               <a:ext cx="6951626" cy="0"/>
             </a:xfrm>
             <a:custGeom>
@@ -4351,7 +4629,7 @@
           </p:nvSpPr>
           <p:spPr>
             <a:xfrm>
-              <a:off x="1569235" y="2208989"/>
+              <a:off x="1569235" y="2117965"/>
               <a:ext cx="6951626" cy="0"/>
             </a:xfrm>
             <a:custGeom>
@@ -4394,8 +4672,8 @@
           </p:nvSpPr>
           <p:spPr>
             <a:xfrm>
-              <a:off x="1598200" y="6179550"/>
-              <a:ext cx="521371" cy="46911"/>
+              <a:off x="1598200" y="5603923"/>
+              <a:ext cx="521371" cy="41186"/>
             </a:xfrm>
             <a:prstGeom prst="rect">
               <a:avLst/>
@@ -4429,8 +4707,8 @@
           </p:nvSpPr>
           <p:spPr>
             <a:xfrm>
-              <a:off x="2177502" y="6131794"/>
-              <a:ext cx="521371" cy="94668"/>
+              <a:off x="2177502" y="5561995"/>
+              <a:ext cx="521371" cy="83113"/>
             </a:xfrm>
             <a:prstGeom prst="rect">
               <a:avLst/>
@@ -4464,8 +4742,8 @@
           </p:nvSpPr>
           <p:spPr>
             <a:xfrm>
-              <a:off x="2756804" y="6001387"/>
-              <a:ext cx="521371" cy="225075"/>
+              <a:off x="2756804" y="5447504"/>
+              <a:ext cx="521371" cy="197604"/>
             </a:xfrm>
             <a:prstGeom prst="rect">
               <a:avLst/>
@@ -4499,8 +4777,8 @@
           </p:nvSpPr>
           <p:spPr>
             <a:xfrm>
-              <a:off x="3336107" y="5811560"/>
-              <a:ext cx="521371" cy="414901"/>
+              <a:off x="3336107" y="5280846"/>
+              <a:ext cx="521371" cy="364263"/>
             </a:xfrm>
             <a:prstGeom prst="rect">
               <a:avLst/>
@@ -4534,8 +4812,8 @@
           </p:nvSpPr>
           <p:spPr>
             <a:xfrm>
-              <a:off x="3915409" y="5527074"/>
-              <a:ext cx="521371" cy="699388"/>
+              <a:off x="3915409" y="5031081"/>
+              <a:ext cx="521371" cy="614028"/>
             </a:xfrm>
             <a:prstGeom prst="rect">
               <a:avLst/>
@@ -4569,8 +4847,8 @@
           </p:nvSpPr>
           <p:spPr>
             <a:xfrm>
-              <a:off x="4494711" y="5220477"/>
-              <a:ext cx="521371" cy="1005985"/>
+              <a:off x="4494711" y="4761904"/>
+              <a:ext cx="521371" cy="883205"/>
             </a:xfrm>
             <a:prstGeom prst="rect">
               <a:avLst/>
@@ -4604,8 +4882,8 @@
           </p:nvSpPr>
           <p:spPr>
             <a:xfrm>
-              <a:off x="5074013" y="4947646"/>
-              <a:ext cx="521371" cy="1278815"/>
+              <a:off x="5074013" y="4522372"/>
+              <a:ext cx="521371" cy="1122737"/>
             </a:xfrm>
             <a:prstGeom prst="rect">
               <a:avLst/>
@@ -4639,8 +4917,8 @@
           </p:nvSpPr>
           <p:spPr>
             <a:xfrm>
-              <a:off x="5653316" y="4638148"/>
-              <a:ext cx="521371" cy="1588313"/>
+              <a:off x="5653316" y="4250648"/>
+              <a:ext cx="521371" cy="1394461"/>
             </a:xfrm>
             <a:prstGeom prst="rect">
               <a:avLst/>
@@ -4674,8 +4952,8 @@
           </p:nvSpPr>
           <p:spPr>
             <a:xfrm>
-              <a:off x="6232618" y="4175774"/>
-              <a:ext cx="521371" cy="2050687"/>
+              <a:off x="6232618" y="3844706"/>
+              <a:ext cx="521371" cy="1800403"/>
             </a:xfrm>
             <a:prstGeom prst="rect">
               <a:avLst/>
@@ -4709,8 +4987,8 @@
           </p:nvSpPr>
           <p:spPr>
             <a:xfrm>
-              <a:off x="6811920" y="3156083"/>
-              <a:ext cx="521371" cy="3070378"/>
+              <a:off x="6811920" y="2949467"/>
+              <a:ext cx="521371" cy="2695642"/>
             </a:xfrm>
             <a:prstGeom prst="rect">
               <a:avLst/>
@@ -4744,8 +5022,8 @@
           </p:nvSpPr>
           <p:spPr>
             <a:xfrm>
-              <a:off x="1598200" y="6144599"/>
-              <a:ext cx="521371" cy="34951"/>
+              <a:off x="1598200" y="5573238"/>
+              <a:ext cx="521371" cy="30685"/>
             </a:xfrm>
             <a:prstGeom prst="rect">
               <a:avLst/>
@@ -4779,8 +5057,8 @@
           </p:nvSpPr>
           <p:spPr>
             <a:xfrm>
-              <a:off x="2177502" y="6080321"/>
-              <a:ext cx="521371" cy="51472"/>
+              <a:off x="2177502" y="5516805"/>
+              <a:ext cx="521371" cy="45190"/>
             </a:xfrm>
             <a:prstGeom prst="rect">
               <a:avLst/>
@@ -4814,8 +5092,8 @@
           </p:nvSpPr>
           <p:spPr>
             <a:xfrm>
-              <a:off x="2756804" y="5873122"/>
-              <a:ext cx="521371" cy="128264"/>
+              <a:off x="2756804" y="5334894"/>
+              <a:ext cx="521371" cy="112610"/>
             </a:xfrm>
             <a:prstGeom prst="rect">
               <a:avLst/>
@@ -4849,8 +5127,8 @@
           </p:nvSpPr>
           <p:spPr>
             <a:xfrm>
-              <a:off x="3336107" y="5592365"/>
-              <a:ext cx="521371" cy="219194"/>
+              <a:off x="3336107" y="5088403"/>
+              <a:ext cx="521371" cy="192442"/>
             </a:xfrm>
             <a:prstGeom prst="rect">
               <a:avLst/>
@@ -4884,8 +5162,8 @@
           </p:nvSpPr>
           <p:spPr>
             <a:xfrm>
-              <a:off x="3915409" y="5192240"/>
-              <a:ext cx="521371" cy="334833"/>
+              <a:off x="3915409" y="4737113"/>
+              <a:ext cx="521371" cy="293967"/>
             </a:xfrm>
             <a:prstGeom prst="rect">
               <a:avLst/>
@@ -4919,8 +5197,8 @@
           </p:nvSpPr>
           <p:spPr>
             <a:xfrm>
-              <a:off x="4494711" y="4804416"/>
-              <a:ext cx="521371" cy="416060"/>
+              <a:off x="4494711" y="4396623"/>
+              <a:ext cx="521371" cy="365281"/>
             </a:xfrm>
             <a:prstGeom prst="rect">
               <a:avLst/>
@@ -4954,8 +5232,8 @@
           </p:nvSpPr>
           <p:spPr>
             <a:xfrm>
-              <a:off x="5074013" y="4407105"/>
-              <a:ext cx="521371" cy="540541"/>
+              <a:off x="5074013" y="4047803"/>
+              <a:ext cx="521371" cy="474568"/>
             </a:xfrm>
             <a:prstGeom prst="rect">
               <a:avLst/>
@@ -4989,8 +5267,8 @@
           </p:nvSpPr>
           <p:spPr>
             <a:xfrm>
-              <a:off x="5653316" y="3857237"/>
-              <a:ext cx="521371" cy="780911"/>
+              <a:off x="5653316" y="3565046"/>
+              <a:ext cx="521371" cy="685601"/>
             </a:xfrm>
             <a:prstGeom prst="rect">
               <a:avLst/>
@@ -5024,8 +5302,8 @@
           </p:nvSpPr>
           <p:spPr>
             <a:xfrm>
-              <a:off x="6232618" y="3178947"/>
-              <a:ext cx="521371" cy="996826"/>
+              <a:off x="6232618" y="2969541"/>
+              <a:ext cx="521371" cy="875165"/>
             </a:xfrm>
             <a:prstGeom prst="rect">
               <a:avLst/>
@@ -5059,8 +5337,8 @@
           </p:nvSpPr>
           <p:spPr>
             <a:xfrm>
-              <a:off x="6811920" y="2107456"/>
-              <a:ext cx="521371" cy="1048627"/>
+              <a:off x="6811920" y="2028824"/>
+              <a:ext cx="521371" cy="920643"/>
             </a:xfrm>
             <a:prstGeom prst="rect">
               <a:avLst/>
@@ -5094,8 +5372,8 @@
           </p:nvSpPr>
           <p:spPr>
             <a:xfrm>
-              <a:off x="1598200" y="6118890"/>
-              <a:ext cx="521371" cy="25708"/>
+              <a:off x="1598200" y="5550667"/>
+              <a:ext cx="521371" cy="22570"/>
             </a:xfrm>
             <a:prstGeom prst="rect">
               <a:avLst/>
@@ -5129,8 +5407,8 @@
           </p:nvSpPr>
           <p:spPr>
             <a:xfrm>
-              <a:off x="2177502" y="6006240"/>
-              <a:ext cx="521371" cy="74081"/>
+              <a:off x="2177502" y="5451765"/>
+              <a:ext cx="521371" cy="65040"/>
             </a:xfrm>
             <a:prstGeom prst="rect">
               <a:avLst/>
@@ -5164,8 +5442,8 @@
           </p:nvSpPr>
           <p:spPr>
             <a:xfrm>
-              <a:off x="2756804" y="5742688"/>
-              <a:ext cx="521371" cy="130434"/>
+              <a:off x="2756804" y="5220379"/>
+              <a:ext cx="521371" cy="114514"/>
             </a:xfrm>
             <a:prstGeom prst="rect">
               <a:avLst/>
@@ -5199,8 +5477,8 @@
           </p:nvSpPr>
           <p:spPr>
             <a:xfrm>
-              <a:off x="3336107" y="5419936"/>
-              <a:ext cx="521371" cy="172429"/>
+              <a:off x="3336107" y="4937019"/>
+              <a:ext cx="521371" cy="151384"/>
             </a:xfrm>
             <a:prstGeom prst="rect">
               <a:avLst/>
@@ -5234,8 +5512,8 @@
           </p:nvSpPr>
           <p:spPr>
             <a:xfrm>
-              <a:off x="3915409" y="4965770"/>
-              <a:ext cx="521371" cy="226469"/>
+              <a:off x="3915409" y="4538283"/>
+              <a:ext cx="521371" cy="198829"/>
             </a:xfrm>
             <a:prstGeom prst="rect">
               <a:avLst/>
@@ -5269,8 +5547,8 @@
           </p:nvSpPr>
           <p:spPr>
             <a:xfrm>
-              <a:off x="4494711" y="4603650"/>
-              <a:ext cx="521371" cy="200766"/>
+              <a:off x="4494711" y="4220360"/>
+              <a:ext cx="521371" cy="176262"/>
             </a:xfrm>
             <a:prstGeom prst="rect">
               <a:avLst/>
@@ -5304,8 +5582,8 @@
           </p:nvSpPr>
           <p:spPr>
             <a:xfrm>
-              <a:off x="5074013" y="4179159"/>
-              <a:ext cx="521371" cy="227945"/>
+              <a:off x="5074013" y="3847678"/>
+              <a:ext cx="521371" cy="200124"/>
             </a:xfrm>
             <a:prstGeom prst="rect">
               <a:avLst/>
@@ -5339,8 +5617,8 @@
           </p:nvSpPr>
           <p:spPr>
             <a:xfrm>
-              <a:off x="5653316" y="3606686"/>
-              <a:ext cx="521371" cy="250551"/>
+              <a:off x="5653316" y="3345074"/>
+              <a:ext cx="521371" cy="219971"/>
             </a:xfrm>
             <a:prstGeom prst="rect">
               <a:avLst/>
@@ -5374,8 +5652,8 @@
           </p:nvSpPr>
           <p:spPr>
             <a:xfrm>
-              <a:off x="6232618" y="2899223"/>
-              <a:ext cx="521371" cy="279724"/>
+              <a:off x="6232618" y="2723956"/>
+              <a:ext cx="521371" cy="245584"/>
             </a:xfrm>
             <a:prstGeom prst="rect">
               <a:avLst/>
@@ -5409,8 +5687,8 @@
           </p:nvSpPr>
           <p:spPr>
             <a:xfrm>
-              <a:off x="6811920" y="1533581"/>
-              <a:ext cx="521371" cy="573875"/>
+              <a:off x="6811920" y="1524989"/>
+              <a:ext cx="521371" cy="503834"/>
             </a:xfrm>
             <a:prstGeom prst="rect">
               <a:avLst/>
@@ -5444,7 +5722,7 @@
           </p:nvSpPr>
           <p:spPr>
             <a:xfrm>
-              <a:off x="7362257" y="4448827"/>
+              <a:off x="7362257" y="4054843"/>
               <a:ext cx="1333648" cy="214535"/>
             </a:xfrm>
             <a:prstGeom prst="rect">
@@ -5490,7 +5768,7 @@
           </p:nvSpPr>
           <p:spPr>
             <a:xfrm>
-              <a:off x="7362257" y="4716503"/>
+              <a:off x="7362257" y="4322519"/>
               <a:ext cx="1460338" cy="166315"/>
             </a:xfrm>
             <a:prstGeom prst="rect">
@@ -5536,7 +5814,7 @@
           </p:nvSpPr>
           <p:spPr>
             <a:xfrm>
-              <a:off x="7362257" y="2169868"/>
+              <a:off x="7362257" y="2027244"/>
               <a:ext cx="762483" cy="214535"/>
             </a:xfrm>
             <a:prstGeom prst="rect">
@@ -5582,7 +5860,7 @@
           </p:nvSpPr>
           <p:spPr>
             <a:xfrm>
-              <a:off x="7362257" y="2434754"/>
+              <a:off x="7362257" y="2292130"/>
               <a:ext cx="1067432" cy="169105"/>
             </a:xfrm>
             <a:prstGeom prst="rect">
@@ -5628,7 +5906,7 @@
           </p:nvSpPr>
           <p:spPr>
             <a:xfrm>
-              <a:off x="7362257" y="2611571"/>
+              <a:off x="7362257" y="2468947"/>
               <a:ext cx="1028923" cy="211745"/>
             </a:xfrm>
             <a:prstGeom prst="rect">
@@ -5674,7 +5952,7 @@
           </p:nvSpPr>
           <p:spPr>
             <a:xfrm>
-              <a:off x="7362257" y="2876457"/>
+              <a:off x="7362257" y="2733832"/>
               <a:ext cx="1460338" cy="166315"/>
             </a:xfrm>
             <a:prstGeom prst="rect">
@@ -5720,7 +5998,7 @@
           </p:nvSpPr>
           <p:spPr>
             <a:xfrm>
-              <a:off x="7362257" y="1516565"/>
+              <a:off x="7362257" y="1472953"/>
               <a:ext cx="965634" cy="166315"/>
             </a:xfrm>
             <a:prstGeom prst="rect">
@@ -5766,7 +6044,7 @@
           </p:nvSpPr>
           <p:spPr>
             <a:xfrm>
-              <a:off x="7362257" y="1690591"/>
+              <a:off x="7362257" y="1646980"/>
               <a:ext cx="1028923" cy="211745"/>
             </a:xfrm>
             <a:prstGeom prst="rect">
@@ -5812,7 +6090,7 @@
           </p:nvSpPr>
           <p:spPr>
             <a:xfrm>
-              <a:off x="7362257" y="1955477"/>
+              <a:off x="7362257" y="1911865"/>
               <a:ext cx="1460338" cy="166315"/>
             </a:xfrm>
             <a:prstGeom prst="rect">
@@ -5858,7 +6136,7 @@
           </p:nvSpPr>
           <p:spPr>
             <a:xfrm>
-              <a:off x="1212476" y="6106023"/>
+              <a:off x="1212476" y="5524670"/>
               <a:ext cx="254272" cy="202257"/>
             </a:xfrm>
             <a:prstGeom prst="rect">
@@ -5904,7 +6182,7 @@
           </p:nvSpPr>
           <p:spPr>
             <a:xfrm>
-              <a:off x="767555" y="4758047"/>
+              <a:off x="767555" y="4340137"/>
               <a:ext cx="699194" cy="211075"/>
             </a:xfrm>
             <a:prstGeom prst="rect">
@@ -5950,7 +6228,7 @@
           </p:nvSpPr>
           <p:spPr>
             <a:xfrm>
-              <a:off x="640418" y="3418889"/>
+              <a:off x="640418" y="3164422"/>
               <a:ext cx="826330" cy="211075"/>
             </a:xfrm>
             <a:prstGeom prst="rect">
@@ -5996,7 +6274,7 @@
           </p:nvSpPr>
           <p:spPr>
             <a:xfrm>
-              <a:off x="640418" y="2079732"/>
+              <a:off x="640418" y="1988708"/>
               <a:ext cx="826330" cy="211075"/>
             </a:xfrm>
             <a:prstGeom prst="rect">
@@ -6042,7 +6320,7 @@
           </p:nvSpPr>
           <p:spPr>
             <a:xfrm>
-              <a:off x="1569235" y="6226462"/>
+              <a:off x="1569235" y="5645109"/>
               <a:ext cx="6951626" cy="0"/>
             </a:xfrm>
             <a:custGeom>
@@ -6082,7 +6360,7 @@
           </p:nvSpPr>
           <p:spPr>
             <a:xfrm>
-              <a:off x="1858886" y="6226462"/>
+              <a:off x="1858886" y="5645109"/>
               <a:ext cx="0" cy="56936"/>
             </a:xfrm>
             <a:custGeom>
@@ -6122,7 +6400,7 @@
           </p:nvSpPr>
           <p:spPr>
             <a:xfrm>
-              <a:off x="2438188" y="6226462"/>
+              <a:off x="2438188" y="5645109"/>
               <a:ext cx="0" cy="56936"/>
             </a:xfrm>
             <a:custGeom>
@@ -6162,7 +6440,7 @@
           </p:nvSpPr>
           <p:spPr>
             <a:xfrm>
-              <a:off x="3017490" y="6226462"/>
+              <a:off x="3017490" y="5645109"/>
               <a:ext cx="0" cy="56936"/>
             </a:xfrm>
             <a:custGeom>
@@ -6202,7 +6480,7 @@
           </p:nvSpPr>
           <p:spPr>
             <a:xfrm>
-              <a:off x="3596793" y="6226462"/>
+              <a:off x="3596793" y="5645109"/>
               <a:ext cx="0" cy="56936"/>
             </a:xfrm>
             <a:custGeom>
@@ -6242,7 +6520,7 @@
           </p:nvSpPr>
           <p:spPr>
             <a:xfrm>
-              <a:off x="4176095" y="6226462"/>
+              <a:off x="4176095" y="5645109"/>
               <a:ext cx="0" cy="56936"/>
             </a:xfrm>
             <a:custGeom>
@@ -6282,7 +6560,7 @@
           </p:nvSpPr>
           <p:spPr>
             <a:xfrm>
-              <a:off x="4755397" y="6226462"/>
+              <a:off x="4755397" y="5645109"/>
               <a:ext cx="0" cy="56936"/>
             </a:xfrm>
             <a:custGeom>
@@ -6322,7 +6600,7 @@
           </p:nvSpPr>
           <p:spPr>
             <a:xfrm>
-              <a:off x="5334699" y="6226462"/>
+              <a:off x="5334699" y="5645109"/>
               <a:ext cx="0" cy="56936"/>
             </a:xfrm>
             <a:custGeom>
@@ -6362,7 +6640,7 @@
           </p:nvSpPr>
           <p:spPr>
             <a:xfrm>
-              <a:off x="5914002" y="6226462"/>
+              <a:off x="5914002" y="5645109"/>
               <a:ext cx="0" cy="56936"/>
             </a:xfrm>
             <a:custGeom>
@@ -6402,7 +6680,7 @@
           </p:nvSpPr>
           <p:spPr>
             <a:xfrm>
-              <a:off x="6493304" y="6226462"/>
+              <a:off x="6493304" y="5645109"/>
               <a:ext cx="0" cy="56936"/>
             </a:xfrm>
             <a:custGeom>
@@ -6442,7 +6720,7 @@
           </p:nvSpPr>
           <p:spPr>
             <a:xfrm>
-              <a:off x="7072606" y="6226462"/>
+              <a:off x="7072606" y="5645109"/>
               <a:ext cx="0" cy="56936"/>
             </a:xfrm>
             <a:custGeom>
@@ -6482,7 +6760,7 @@
           </p:nvSpPr>
           <p:spPr>
             <a:xfrm>
-              <a:off x="1795318" y="6328278"/>
+              <a:off x="1795318" y="5746925"/>
               <a:ext cx="127136" cy="164306"/>
             </a:xfrm>
             <a:prstGeom prst="rect">
@@ -6528,7 +6806,7 @@
           </p:nvSpPr>
           <p:spPr>
             <a:xfrm>
-              <a:off x="2374620" y="6328278"/>
+              <a:off x="2374620" y="5746925"/>
               <a:ext cx="127136" cy="164306"/>
             </a:xfrm>
             <a:prstGeom prst="rect">
@@ -6574,7 +6852,7 @@
           </p:nvSpPr>
           <p:spPr>
             <a:xfrm>
-              <a:off x="2953922" y="6325376"/>
+              <a:off x="2953922" y="5744023"/>
               <a:ext cx="127136" cy="167208"/>
             </a:xfrm>
             <a:prstGeom prst="rect">
@@ -6620,7 +6898,7 @@
           </p:nvSpPr>
           <p:spPr>
             <a:xfrm>
-              <a:off x="3533224" y="6328948"/>
+              <a:off x="3533224" y="5747595"/>
               <a:ext cx="127136" cy="163636"/>
             </a:xfrm>
             <a:prstGeom prst="rect">
@@ -6666,7 +6944,7 @@
           </p:nvSpPr>
           <p:spPr>
             <a:xfrm>
-              <a:off x="4112527" y="6328389"/>
+              <a:off x="4112527" y="5747037"/>
               <a:ext cx="127136" cy="164194"/>
             </a:xfrm>
             <a:prstGeom prst="rect">
@@ -6712,7 +6990,7 @@
           </p:nvSpPr>
           <p:spPr>
             <a:xfrm>
-              <a:off x="4691829" y="6325487"/>
+              <a:off x="4691829" y="5744135"/>
               <a:ext cx="127136" cy="167096"/>
             </a:xfrm>
             <a:prstGeom prst="rect">
@@ -6758,7 +7036,7 @@
           </p:nvSpPr>
           <p:spPr>
             <a:xfrm>
-              <a:off x="5271131" y="6331068"/>
+              <a:off x="5271131" y="5749716"/>
               <a:ext cx="127136" cy="161515"/>
             </a:xfrm>
             <a:prstGeom prst="rect">
@@ -6804,7 +7082,7 @@
           </p:nvSpPr>
           <p:spPr>
             <a:xfrm>
-              <a:off x="5850433" y="6325487"/>
+              <a:off x="5850433" y="5744135"/>
               <a:ext cx="127136" cy="167096"/>
             </a:xfrm>
             <a:prstGeom prst="rect">
@@ -6850,7 +7128,7 @@
           </p:nvSpPr>
           <p:spPr>
             <a:xfrm>
-              <a:off x="6429736" y="6325487"/>
+              <a:off x="6429736" y="5744135"/>
               <a:ext cx="127136" cy="167096"/>
             </a:xfrm>
             <a:prstGeom prst="rect">
@@ -6896,7 +7174,7 @@
           </p:nvSpPr>
           <p:spPr>
             <a:xfrm>
-              <a:off x="6945470" y="6325487"/>
+              <a:off x="6945470" y="5744135"/>
               <a:ext cx="254272" cy="167096"/>
             </a:xfrm>
             <a:prstGeom prst="rect">
@@ -6942,7 +7220,7 @@
           </p:nvSpPr>
           <p:spPr>
             <a:xfrm>
-              <a:off x="3907797" y="6594950"/>
+              <a:off x="3907797" y="6013598"/>
               <a:ext cx="2274503" cy="166315"/>
             </a:xfrm>
             <a:prstGeom prst="rect">
@@ -6976,6 +7254,144 @@
                   <a:cs typeface="Arial"/>
                 </a:rPr>
                 <a:t>Taxable income decile</a:t>
+              </a:r>
+            </a:p>
+          </p:txBody>
+        </p:sp>
+        <p:sp>
+          <p:nvSpPr>
+            <p:cNvPr id="77" name="tx75"/>
+            <p:cNvSpPr/>
+            <p:nvPr/>
+          </p:nvSpPr>
+          <p:spPr>
+            <a:xfrm>
+              <a:off x="640418" y="6389933"/>
+              <a:ext cx="7828150" cy="118695"/>
+            </a:xfrm>
+            <a:prstGeom prst="rect">
+              <a:avLst/>
+            </a:prstGeom>
+            <a:noFill/>
+          </p:spPr>
+          <p:txBody>
+            <a:bodyPr lIns="0" rIns="0" tIns="0" bIns="0" anchorCtr="1" anchor="ctr" wrap="none"/>
+            <a:lstStyle/>
+            <a:p>
+              <a:pPr algn="l" marL="0" marR="0" indent="0">
+                <a:lnSpc>
+                  <a:spcPts val="999"/>
+                </a:lnSpc>
+                <a:spcBef>
+                  <a:spcPts val="0"/>
+                </a:spcBef>
+                <a:spcAft>
+                  <a:spcPts val="0"/>
+                </a:spcAft>
+              </a:pPr>
+              <a:r>
+                <a:rPr sz="999" i="1">
+                  <a:solidFill>
+                    <a:srgbClr val="000000">
+                      <a:alpha val="100000"/>
+                    </a:srgbClr>
+                  </a:solidFill>
+                  <a:latin typeface="Arial"/>
+                  <a:cs typeface="Arial"/>
+                </a:rPr>
+                <a:t>Notes: Projections to 2020-21 assume 2% wage growth and 0% growth in the number of taxfilers from 2019-20 to 2020-21. Taxable income</a:t>
+              </a:r>
+            </a:p>
+          </p:txBody>
+        </p:sp>
+        <p:sp>
+          <p:nvSpPr>
+            <p:cNvPr id="78" name="tx76"/>
+            <p:cNvSpPr/>
+            <p:nvPr/>
+          </p:nvSpPr>
+          <p:spPr>
+            <a:xfrm>
+              <a:off x="640418" y="6526584"/>
+              <a:ext cx="1978301" cy="119067"/>
+            </a:xfrm>
+            <a:prstGeom prst="rect">
+              <a:avLst/>
+            </a:prstGeom>
+            <a:noFill/>
+          </p:spPr>
+          <p:txBody>
+            <a:bodyPr lIns="0" rIns="0" tIns="0" bIns="0" anchorCtr="1" anchor="ctr" wrap="none"/>
+            <a:lstStyle/>
+            <a:p>
+              <a:pPr algn="l" marL="0" marR="0" indent="0">
+                <a:lnSpc>
+                  <a:spcPts val="999"/>
+                </a:lnSpc>
+                <a:spcBef>
+                  <a:spcPts val="0"/>
+                </a:spcBef>
+                <a:spcAft>
+                  <a:spcPts val="0"/>
+                </a:spcAft>
+              </a:pPr>
+              <a:r>
+                <a:rPr sz="999" i="1">
+                  <a:solidFill>
+                    <a:srgbClr val="000000">
+                      <a:alpha val="100000"/>
+                    </a:srgbClr>
+                  </a:solidFill>
+                  <a:latin typeface="Arial"/>
+                  <a:cs typeface="Arial"/>
+                </a:rPr>
+                <a:t>deciles based on 50+ taxfilers only.</a:t>
+              </a:r>
+            </a:p>
+          </p:txBody>
+        </p:sp>
+        <p:sp>
+          <p:nvSpPr>
+            <p:cNvPr id="79" name="tx77"/>
+            <p:cNvSpPr/>
+            <p:nvPr/>
+          </p:nvSpPr>
+          <p:spPr>
+            <a:xfrm>
+              <a:off x="640418" y="6665094"/>
+              <a:ext cx="2094457" cy="117580"/>
+            </a:xfrm>
+            <a:prstGeom prst="rect">
+              <a:avLst/>
+            </a:prstGeom>
+            <a:noFill/>
+          </p:spPr>
+          <p:txBody>
+            <a:bodyPr lIns="0" rIns="0" tIns="0" bIns="0" anchorCtr="1" anchor="ctr" wrap="none"/>
+            <a:lstStyle/>
+            <a:p>
+              <a:pPr algn="l" marL="0" marR="0" indent="0">
+                <a:lnSpc>
+                  <a:spcPts val="999"/>
+                </a:lnSpc>
+                <a:spcBef>
+                  <a:spcPts val="0"/>
+                </a:spcBef>
+                <a:spcAft>
+                  <a:spcPts val="0"/>
+                </a:spcAft>
+              </a:pPr>
+              <a:r>
+                <a:rPr sz="999" i="1">
+                  <a:solidFill>
+                    <a:srgbClr val="000000">
+                      <a:alpha val="100000"/>
+                    </a:srgbClr>
+                  </a:solidFill>
+                  <a:latin typeface="Arial"/>
+                  <a:cs typeface="Arial"/>
+                </a:rPr>
+                <a:t>Source: ATO 2017-18 2% sample file</a:t>
               </a:r>
             </a:p>
           </p:txBody>
